--- a/docs/diagrams/UiComponent.pptx
+++ b/docs/diagrams/UiComponent.pptx
@@ -104,6 +104,11 @@
       </a:defRPr>
     </a:lvl9pPr>
   </p:defaultTextStyle>
+  <p:extLst>
+    <p:ext uri="{EFAFB233-063F-42B5-8137-9DF3F51BA10A}">
+      <p15:sldGuideLst xmlns:p15="http://schemas.microsoft.com/office/powerpoint/2012/main"/>
+    </p:ext>
+  </p:extLst>
 </p:presentation>
 </file>
 
@@ -256,7 +261,7 @@
           <a:p>
             <a:fld id="{8E48A44F-7FCA-E248-9F13-647A0016D148}" type="datetimeFigureOut">
               <a:rPr lang="en-US" smtClean="0"/>
-              <a:t>10/22/19</a:t>
+              <a:t>10/31/19</a:t>
             </a:fld>
             <a:endParaRPr lang="en-US"/>
           </a:p>
@@ -456,7 +461,7 @@
           <a:p>
             <a:fld id="{8E48A44F-7FCA-E248-9F13-647A0016D148}" type="datetimeFigureOut">
               <a:rPr lang="en-US" smtClean="0"/>
-              <a:t>10/22/19</a:t>
+              <a:t>10/31/19</a:t>
             </a:fld>
             <a:endParaRPr lang="en-US"/>
           </a:p>
@@ -666,7 +671,7 @@
           <a:p>
             <a:fld id="{8E48A44F-7FCA-E248-9F13-647A0016D148}" type="datetimeFigureOut">
               <a:rPr lang="en-US" smtClean="0"/>
-              <a:t>10/22/19</a:t>
+              <a:t>10/31/19</a:t>
             </a:fld>
             <a:endParaRPr lang="en-US"/>
           </a:p>
@@ -866,7 +871,7 @@
           <a:p>
             <a:fld id="{8E48A44F-7FCA-E248-9F13-647A0016D148}" type="datetimeFigureOut">
               <a:rPr lang="en-US" smtClean="0"/>
-              <a:t>10/22/19</a:t>
+              <a:t>10/31/19</a:t>
             </a:fld>
             <a:endParaRPr lang="en-US"/>
           </a:p>
@@ -1142,7 +1147,7 @@
           <a:p>
             <a:fld id="{8E48A44F-7FCA-E248-9F13-647A0016D148}" type="datetimeFigureOut">
               <a:rPr lang="en-US" smtClean="0"/>
-              <a:t>10/22/19</a:t>
+              <a:t>10/31/19</a:t>
             </a:fld>
             <a:endParaRPr lang="en-US"/>
           </a:p>
@@ -1410,7 +1415,7 @@
           <a:p>
             <a:fld id="{8E48A44F-7FCA-E248-9F13-647A0016D148}" type="datetimeFigureOut">
               <a:rPr lang="en-US" smtClean="0"/>
-              <a:t>10/22/19</a:t>
+              <a:t>10/31/19</a:t>
             </a:fld>
             <a:endParaRPr lang="en-US"/>
           </a:p>
@@ -1825,7 +1830,7 @@
           <a:p>
             <a:fld id="{8E48A44F-7FCA-E248-9F13-647A0016D148}" type="datetimeFigureOut">
               <a:rPr lang="en-US" smtClean="0"/>
-              <a:t>10/22/19</a:t>
+              <a:t>10/31/19</a:t>
             </a:fld>
             <a:endParaRPr lang="en-US"/>
           </a:p>
@@ -1967,7 +1972,7 @@
           <a:p>
             <a:fld id="{8E48A44F-7FCA-E248-9F13-647A0016D148}" type="datetimeFigureOut">
               <a:rPr lang="en-US" smtClean="0"/>
-              <a:t>10/22/19</a:t>
+              <a:t>10/31/19</a:t>
             </a:fld>
             <a:endParaRPr lang="en-US"/>
           </a:p>
@@ -2080,7 +2085,7 @@
           <a:p>
             <a:fld id="{8E48A44F-7FCA-E248-9F13-647A0016D148}" type="datetimeFigureOut">
               <a:rPr lang="en-US" smtClean="0"/>
-              <a:t>10/22/19</a:t>
+              <a:t>10/31/19</a:t>
             </a:fld>
             <a:endParaRPr lang="en-US"/>
           </a:p>
@@ -2393,7 +2398,7 @@
           <a:p>
             <a:fld id="{8E48A44F-7FCA-E248-9F13-647A0016D148}" type="datetimeFigureOut">
               <a:rPr lang="en-US" smtClean="0"/>
-              <a:t>10/22/19</a:t>
+              <a:t>10/31/19</a:t>
             </a:fld>
             <a:endParaRPr lang="en-US"/>
           </a:p>
@@ -2682,7 +2687,7 @@
           <a:p>
             <a:fld id="{8E48A44F-7FCA-E248-9F13-647A0016D148}" type="datetimeFigureOut">
               <a:rPr lang="en-US" smtClean="0"/>
-              <a:t>10/22/19</a:t>
+              <a:t>10/31/19</a:t>
             </a:fld>
             <a:endParaRPr lang="en-US"/>
           </a:p>
@@ -2925,7 +2930,7 @@
           <a:p>
             <a:fld id="{8E48A44F-7FCA-E248-9F13-647A0016D148}" type="datetimeFigureOut">
               <a:rPr lang="en-US" smtClean="0"/>
-              <a:t>10/22/19</a:t>
+              <a:t>10/31/19</a:t>
             </a:fld>
             <a:endParaRPr lang="en-US"/>
           </a:p>
@@ -3344,10 +3349,10 @@
       </p:grpSpPr>
       <p:grpSp>
         <p:nvGrpSpPr>
-          <p:cNvPr id="4" name="Group 3">
-            <a:extLst>
-              <a:ext uri="{FF2B5EF4-FFF2-40B4-BE49-F238E27FC236}">
-                <a16:creationId xmlns:a16="http://schemas.microsoft.com/office/drawing/2014/main" id="{E7A7F5F5-0BDA-5747-A0C9-260B236D4D2F}"/>
+          <p:cNvPr id="14" name="Group 13">
+            <a:extLst>
+              <a:ext uri="{FF2B5EF4-FFF2-40B4-BE49-F238E27FC236}">
+                <a16:creationId xmlns:a16="http://schemas.microsoft.com/office/drawing/2014/main" id="{6E69F22E-820D-E047-BD6B-6A864529FE66}"/>
               </a:ext>
             </a:extLst>
           </p:cNvPr>
@@ -3358,356 +3363,557 @@
           <a:xfrm>
             <a:off x="1295956" y="1554726"/>
             <a:ext cx="9600088" cy="3748548"/>
-            <a:chOff x="1300404" y="847099"/>
+            <a:chOff x="1295956" y="1554726"/>
             <a:chExt cx="9600088" cy="3748548"/>
           </a:xfrm>
         </p:grpSpPr>
-        <p:sp>
-          <p:nvSpPr>
-            <p:cNvPr id="5" name="Rectangle 4">
+        <p:grpSp>
+          <p:nvGrpSpPr>
+            <p:cNvPr id="4" name="Group 3">
               <a:extLst>
                 <a:ext uri="{FF2B5EF4-FFF2-40B4-BE49-F238E27FC236}">
-                  <a16:creationId xmlns:a16="http://schemas.microsoft.com/office/drawing/2014/main" id="{D3E7E891-DD00-E048-AAFE-3A8C11C30C74}"/>
+                  <a16:creationId xmlns:a16="http://schemas.microsoft.com/office/drawing/2014/main" id="{E7A7F5F5-0BDA-5747-A0C9-260B236D4D2F}"/>
                 </a:ext>
               </a:extLst>
             </p:cNvPr>
-            <p:cNvSpPr/>
+            <p:cNvGrpSpPr/>
             <p:nvPr/>
-          </p:nvSpPr>
-          <p:spPr>
+          </p:nvGrpSpPr>
+          <p:grpSpPr>
             <a:xfrm>
-              <a:off x="1300404" y="3071916"/>
-              <a:ext cx="1379388" cy="711942"/>
+              <a:off x="1295956" y="1554726"/>
+              <a:ext cx="9600088" cy="3748548"/>
+              <a:chOff x="1300404" y="847099"/>
+              <a:chExt cx="9600088" cy="3748548"/>
             </a:xfrm>
-            <a:prstGeom prst="rect">
-              <a:avLst/>
-            </a:prstGeom>
-            <a:solidFill>
-              <a:schemeClr val="bg2">
-                <a:lumMod val="90000"/>
-              </a:schemeClr>
-            </a:solidFill>
-            <a:ln>
+          </p:grpSpPr>
+          <p:sp>
+            <p:nvSpPr>
+              <p:cNvPr id="5" name="Rectangle 4">
+                <a:extLst>
+                  <a:ext uri="{FF2B5EF4-FFF2-40B4-BE49-F238E27FC236}">
+                    <a16:creationId xmlns:a16="http://schemas.microsoft.com/office/drawing/2014/main" id="{D3E7E891-DD00-E048-AAFE-3A8C11C30C74}"/>
+                  </a:ext>
+                </a:extLst>
+              </p:cNvPr>
+              <p:cNvSpPr/>
+              <p:nvPr/>
+            </p:nvSpPr>
+            <p:spPr>
+              <a:xfrm>
+                <a:off x="1300404" y="3071916"/>
+                <a:ext cx="1379388" cy="711942"/>
+              </a:xfrm>
+              <a:prstGeom prst="rect">
+                <a:avLst/>
+              </a:prstGeom>
               <a:solidFill>
                 <a:schemeClr val="bg2">
                   <a:lumMod val="90000"/>
                 </a:schemeClr>
               </a:solidFill>
-            </a:ln>
-          </p:spPr>
-          <p:style>
-            <a:lnRef idx="2">
-              <a:schemeClr val="accent1">
-                <a:shade val="50000"/>
-              </a:schemeClr>
-            </a:lnRef>
-            <a:fillRef idx="1">
-              <a:schemeClr val="accent1"/>
-            </a:fillRef>
-            <a:effectRef idx="0">
-              <a:schemeClr val="accent1"/>
-            </a:effectRef>
-            <a:fontRef idx="minor">
-              <a:schemeClr val="lt1"/>
-            </a:fontRef>
-          </p:style>
-          <p:txBody>
-            <a:bodyPr rtlCol="0" anchor="ctr"/>
-            <a:lstStyle/>
-            <a:p>
-              <a:pPr algn="ctr"/>
-              <a:r>
-                <a:rPr lang="en-US" sz="1300" b="1">
-                  <a:solidFill>
-                    <a:schemeClr val="tx1"/>
-                  </a:solidFill>
-                  <a:latin typeface="Arial"/>
-                  <a:cs typeface="Calibri"/>
-                </a:rPr>
-                <a:t>Main</a:t>
-              </a:r>
-            </a:p>
-          </p:txBody>
-        </p:sp>
-        <p:sp>
-          <p:nvSpPr>
-            <p:cNvPr id="6" name="Rounded Rectangle 145">
-              <a:extLst>
-                <a:ext uri="{FF2B5EF4-FFF2-40B4-BE49-F238E27FC236}">
-                  <a16:creationId xmlns:a16="http://schemas.microsoft.com/office/drawing/2014/main" id="{E7AB36CB-1500-364C-B425-0392167C4109}"/>
-                </a:ext>
-              </a:extLst>
-            </p:cNvPr>
-            <p:cNvSpPr/>
-            <p:nvPr/>
-          </p:nvSpPr>
-          <p:spPr>
-            <a:xfrm>
-              <a:off x="4132300" y="2264025"/>
-              <a:ext cx="3933211" cy="2331622"/>
-            </a:xfrm>
-            <a:prstGeom prst="roundRect">
-              <a:avLst>
-                <a:gd name="adj" fmla="val 4363"/>
-              </a:avLst>
-            </a:prstGeom>
-            <a:solidFill>
-              <a:schemeClr val="accent4">
-                <a:lumMod val="20000"/>
-                <a:lumOff val="80000"/>
-              </a:schemeClr>
-            </a:solidFill>
-            <a:ln>
+              <a:ln>
+                <a:solidFill>
+                  <a:schemeClr val="bg2">
+                    <a:lumMod val="90000"/>
+                  </a:schemeClr>
+                </a:solidFill>
+              </a:ln>
+            </p:spPr>
+            <p:style>
+              <a:lnRef idx="2">
+                <a:schemeClr val="accent1">
+                  <a:shade val="50000"/>
+                </a:schemeClr>
+              </a:lnRef>
+              <a:fillRef idx="1">
+                <a:schemeClr val="accent1"/>
+              </a:fillRef>
+              <a:effectRef idx="0">
+                <a:schemeClr val="accent1"/>
+              </a:effectRef>
+              <a:fontRef idx="minor">
+                <a:schemeClr val="lt1"/>
+              </a:fontRef>
+            </p:style>
+            <p:txBody>
+              <a:bodyPr rtlCol="0" anchor="ctr"/>
+              <a:lstStyle/>
+              <a:p>
+                <a:pPr algn="ctr"/>
+                <a:r>
+                  <a:rPr lang="en-US" sz="1300" b="1">
+                    <a:solidFill>
+                      <a:schemeClr val="tx1"/>
+                    </a:solidFill>
+                    <a:latin typeface="Arial"/>
+                    <a:cs typeface="Calibri"/>
+                  </a:rPr>
+                  <a:t>Main</a:t>
+                </a:r>
+              </a:p>
+            </p:txBody>
+          </p:sp>
+          <p:sp>
+            <p:nvSpPr>
+              <p:cNvPr id="6" name="Rounded Rectangle 145">
+                <a:extLst>
+                  <a:ext uri="{FF2B5EF4-FFF2-40B4-BE49-F238E27FC236}">
+                    <a16:creationId xmlns:a16="http://schemas.microsoft.com/office/drawing/2014/main" id="{E7AB36CB-1500-364C-B425-0392167C4109}"/>
+                  </a:ext>
+                </a:extLst>
+              </p:cNvPr>
+              <p:cNvSpPr/>
+              <p:nvPr/>
+            </p:nvSpPr>
+            <p:spPr>
+              <a:xfrm>
+                <a:off x="4132300" y="2264025"/>
+                <a:ext cx="3933211" cy="2331622"/>
+              </a:xfrm>
+              <a:prstGeom prst="roundRect">
+                <a:avLst>
+                  <a:gd name="adj" fmla="val 4363"/>
+                </a:avLst>
+              </a:prstGeom>
               <a:solidFill>
                 <a:schemeClr val="accent4">
                   <a:lumMod val="20000"/>
                   <a:lumOff val="80000"/>
                 </a:schemeClr>
               </a:solidFill>
-              <a:prstDash val="solid"/>
-            </a:ln>
-          </p:spPr>
-          <p:style>
-            <a:lnRef idx="2">
-              <a:schemeClr val="accent1">
-                <a:shade val="50000"/>
-              </a:schemeClr>
-            </a:lnRef>
-            <a:fillRef idx="1">
-              <a:schemeClr val="accent1"/>
-            </a:fillRef>
-            <a:effectRef idx="0">
-              <a:schemeClr val="accent1"/>
-            </a:effectRef>
-            <a:fontRef idx="minor">
-              <a:schemeClr val="lt1"/>
-            </a:fontRef>
-          </p:style>
-          <p:txBody>
-            <a:bodyPr rtlCol="0" anchor="ctr"/>
-            <a:lstStyle/>
-            <a:p>
-              <a:pPr algn="ctr"/>
-              <a:endParaRPr lang="en-US"/>
-            </a:p>
-          </p:txBody>
-        </p:sp>
-        <p:sp>
-          <p:nvSpPr>
-            <p:cNvPr id="7" name="Rectangle 6">
+              <a:ln>
+                <a:solidFill>
+                  <a:schemeClr val="accent4">
+                    <a:lumMod val="20000"/>
+                    <a:lumOff val="80000"/>
+                  </a:schemeClr>
+                </a:solidFill>
+                <a:prstDash val="solid"/>
+              </a:ln>
+            </p:spPr>
+            <p:style>
+              <a:lnRef idx="2">
+                <a:schemeClr val="accent1">
+                  <a:shade val="50000"/>
+                </a:schemeClr>
+              </a:lnRef>
+              <a:fillRef idx="1">
+                <a:schemeClr val="accent1"/>
+              </a:fillRef>
+              <a:effectRef idx="0">
+                <a:schemeClr val="accent1"/>
+              </a:effectRef>
+              <a:fontRef idx="minor">
+                <a:schemeClr val="lt1"/>
+              </a:fontRef>
+            </p:style>
+            <p:txBody>
+              <a:bodyPr rtlCol="0" anchor="ctr"/>
+              <a:lstStyle/>
+              <a:p>
+                <a:pPr algn="ctr"/>
+                <a:endParaRPr lang="en-US"/>
+              </a:p>
+            </p:txBody>
+          </p:sp>
+          <p:sp>
+            <p:nvSpPr>
+              <p:cNvPr id="7" name="Rectangle 6">
+                <a:extLst>
+                  <a:ext uri="{FF2B5EF4-FFF2-40B4-BE49-F238E27FC236}">
+                    <a16:creationId xmlns:a16="http://schemas.microsoft.com/office/drawing/2014/main" id="{DDF37676-A619-7342-BDB2-25339B7D805A}"/>
+                  </a:ext>
+                </a:extLst>
+              </p:cNvPr>
+              <p:cNvSpPr/>
+              <p:nvPr/>
+            </p:nvSpPr>
+            <p:spPr>
+              <a:xfrm>
+                <a:off x="9521104" y="3071916"/>
+                <a:ext cx="1379388" cy="711942"/>
+              </a:xfrm>
+              <a:prstGeom prst="rect">
+                <a:avLst/>
+              </a:prstGeom>
+              <a:solidFill>
+                <a:schemeClr val="accent5">
+                  <a:lumMod val="60000"/>
+                  <a:lumOff val="40000"/>
+                </a:schemeClr>
+              </a:solidFill>
+              <a:ln>
+                <a:solidFill>
+                  <a:schemeClr val="bg2">
+                    <a:lumMod val="90000"/>
+                  </a:schemeClr>
+                </a:solidFill>
+              </a:ln>
+            </p:spPr>
+            <p:style>
+              <a:lnRef idx="2">
+                <a:schemeClr val="accent1">
+                  <a:shade val="50000"/>
+                </a:schemeClr>
+              </a:lnRef>
+              <a:fillRef idx="1">
+                <a:schemeClr val="accent1"/>
+              </a:fillRef>
+              <a:effectRef idx="0">
+                <a:schemeClr val="accent1"/>
+              </a:effectRef>
+              <a:fontRef idx="minor">
+                <a:schemeClr val="lt1"/>
+              </a:fontRef>
+            </p:style>
+            <p:txBody>
+              <a:bodyPr rtlCol="0" anchor="ctr"/>
+              <a:lstStyle/>
+              <a:p>
+                <a:pPr algn="ctr"/>
+                <a:r>
+                  <a:rPr lang="en-US" sz="1300" b="1" dirty="0">
+                    <a:solidFill>
+                      <a:schemeClr val="tx1"/>
+                    </a:solidFill>
+                    <a:latin typeface="Arial"/>
+                    <a:cs typeface="Calibri"/>
+                  </a:rPr>
+                  <a:t>Model</a:t>
+                </a:r>
+              </a:p>
+            </p:txBody>
+          </p:sp>
+          <p:sp>
+            <p:nvSpPr>
+              <p:cNvPr id="8" name="Rectangle 7">
+                <a:extLst>
+                  <a:ext uri="{FF2B5EF4-FFF2-40B4-BE49-F238E27FC236}">
+                    <a16:creationId xmlns:a16="http://schemas.microsoft.com/office/drawing/2014/main" id="{3D267BC9-696D-E64F-B073-A74E1216B076}"/>
+                  </a:ext>
+                </a:extLst>
+              </p:cNvPr>
+              <p:cNvSpPr/>
+              <p:nvPr/>
+            </p:nvSpPr>
+            <p:spPr>
+              <a:xfrm>
+                <a:off x="5410754" y="3071916"/>
+                <a:ext cx="1379388" cy="711942"/>
+              </a:xfrm>
+              <a:prstGeom prst="rect">
+                <a:avLst/>
+              </a:prstGeom>
+              <a:solidFill>
+                <a:schemeClr val="accent6">
+                  <a:lumMod val="60000"/>
+                  <a:lumOff val="40000"/>
+                </a:schemeClr>
+              </a:solidFill>
+              <a:ln>
+                <a:noFill/>
+              </a:ln>
+            </p:spPr>
+            <p:style>
+              <a:lnRef idx="2">
+                <a:schemeClr val="accent1">
+                  <a:shade val="50000"/>
+                </a:schemeClr>
+              </a:lnRef>
+              <a:fillRef idx="1">
+                <a:schemeClr val="accent1"/>
+              </a:fillRef>
+              <a:effectRef idx="0">
+                <a:schemeClr val="accent1"/>
+              </a:effectRef>
+              <a:fontRef idx="minor">
+                <a:schemeClr val="lt1"/>
+              </a:fontRef>
+            </p:style>
+            <p:txBody>
+              <a:bodyPr rtlCol="0" anchor="ctr"/>
+              <a:lstStyle/>
+              <a:p>
+                <a:pPr algn="ctr"/>
+                <a:r>
+                  <a:rPr lang="en-US" sz="1300" b="1">
+                    <a:solidFill>
+                      <a:schemeClr val="tx1"/>
+                    </a:solidFill>
+                    <a:latin typeface="Arial"/>
+                    <a:cs typeface="Calibri"/>
+                  </a:rPr>
+                  <a:t>Ui</a:t>
+                </a:r>
+              </a:p>
+            </p:txBody>
+          </p:sp>
+          <p:sp>
+            <p:nvSpPr>
+              <p:cNvPr id="9" name="Rectangle 8">
+                <a:extLst>
+                  <a:ext uri="{FF2B5EF4-FFF2-40B4-BE49-F238E27FC236}">
+                    <a16:creationId xmlns:a16="http://schemas.microsoft.com/office/drawing/2014/main" id="{02E60039-B4A1-D347-8EA9-7EE4F178666E}"/>
+                  </a:ext>
+                </a:extLst>
+              </p:cNvPr>
+              <p:cNvSpPr/>
+              <p:nvPr/>
+            </p:nvSpPr>
+            <p:spPr>
+              <a:xfrm>
+                <a:off x="5410754" y="847099"/>
+                <a:ext cx="1379388" cy="711942"/>
+              </a:xfrm>
+              <a:prstGeom prst="rect">
+                <a:avLst/>
+              </a:prstGeom>
+              <a:solidFill>
+                <a:schemeClr val="tx2">
+                  <a:lumMod val="60000"/>
+                  <a:lumOff val="40000"/>
+                </a:schemeClr>
+              </a:solidFill>
+              <a:ln>
+                <a:solidFill>
+                  <a:schemeClr val="bg2">
+                    <a:lumMod val="90000"/>
+                  </a:schemeClr>
+                </a:solidFill>
+              </a:ln>
+            </p:spPr>
+            <p:style>
+              <a:lnRef idx="2">
+                <a:schemeClr val="accent1">
+                  <a:shade val="50000"/>
+                </a:schemeClr>
+              </a:lnRef>
+              <a:fillRef idx="1">
+                <a:schemeClr val="accent1"/>
+              </a:fillRef>
+              <a:effectRef idx="0">
+                <a:schemeClr val="accent1"/>
+              </a:effectRef>
+              <a:fontRef idx="minor">
+                <a:schemeClr val="lt1"/>
+              </a:fontRef>
+            </p:style>
+            <p:txBody>
+              <a:bodyPr rtlCol="0" anchor="ctr"/>
+              <a:lstStyle/>
+              <a:p>
+                <a:pPr algn="ctr"/>
+                <a:r>
+                  <a:rPr lang="en-US" sz="1300" b="1">
+                    <a:solidFill>
+                      <a:schemeClr val="tx1"/>
+                    </a:solidFill>
+                    <a:latin typeface="Arial"/>
+                    <a:cs typeface="Calibri"/>
+                  </a:rPr>
+                  <a:t>Logic</a:t>
+                </a:r>
+              </a:p>
+            </p:txBody>
+          </p:sp>
+          <p:cxnSp>
+            <p:nvCxnSpPr>
+              <p:cNvPr id="10" name="Straight Arrow Connector 9">
+                <a:extLst>
+                  <a:ext uri="{FF2B5EF4-FFF2-40B4-BE49-F238E27FC236}">
+                    <a16:creationId xmlns:a16="http://schemas.microsoft.com/office/drawing/2014/main" id="{16041A4B-D683-AE46-9378-C52FBCB9553B}"/>
+                  </a:ext>
+                </a:extLst>
+              </p:cNvPr>
+              <p:cNvCxnSpPr/>
+              <p:nvPr/>
+            </p:nvCxnSpPr>
+            <p:spPr>
+              <a:xfrm>
+                <a:off x="2679793" y="3383391"/>
+                <a:ext cx="2727626" cy="24474"/>
+              </a:xfrm>
+              <a:prstGeom prst="straightConnector1">
+                <a:avLst/>
+              </a:prstGeom>
+              <a:ln>
+                <a:solidFill>
+                  <a:schemeClr val="tx1"/>
+                </a:solidFill>
+                <a:tailEnd type="triangle"/>
+              </a:ln>
+            </p:spPr>
+            <p:style>
+              <a:lnRef idx="1">
+                <a:schemeClr val="accent1"/>
+              </a:lnRef>
+              <a:fillRef idx="0">
+                <a:schemeClr val="accent1"/>
+              </a:fillRef>
+              <a:effectRef idx="0">
+                <a:schemeClr val="accent1"/>
+              </a:effectRef>
+              <a:fontRef idx="minor">
+                <a:schemeClr val="tx1"/>
+              </a:fontRef>
+            </p:style>
+          </p:cxnSp>
+          <p:cxnSp>
+            <p:nvCxnSpPr>
+              <p:cNvPr id="11" name="Elbow Connector 10">
+                <a:extLst>
+                  <a:ext uri="{FF2B5EF4-FFF2-40B4-BE49-F238E27FC236}">
+                    <a16:creationId xmlns:a16="http://schemas.microsoft.com/office/drawing/2014/main" id="{DB35008E-7A35-2548-9C0D-A349064DBA2F}"/>
+                  </a:ext>
+                </a:extLst>
+              </p:cNvPr>
+              <p:cNvCxnSpPr>
+                <a:stCxn id="5" idx="0"/>
+                <a:endCxn id="9" idx="1"/>
+              </p:cNvCxnSpPr>
+              <p:nvPr/>
+            </p:nvCxnSpPr>
+            <p:spPr>
+              <a:xfrm rot="5400000" flipH="1" flipV="1">
+                <a:off x="2766003" y="427165"/>
+                <a:ext cx="1868846" cy="3420656"/>
+              </a:xfrm>
+              <a:prstGeom prst="bentConnector2">
+                <a:avLst/>
+              </a:prstGeom>
+              <a:ln>
+                <a:solidFill>
+                  <a:schemeClr val="tx1"/>
+                </a:solidFill>
+                <a:tailEnd type="triangle"/>
+              </a:ln>
+            </p:spPr>
+            <p:style>
+              <a:lnRef idx="1">
+                <a:schemeClr val="accent1"/>
+              </a:lnRef>
+              <a:fillRef idx="0">
+                <a:schemeClr val="accent1"/>
+              </a:fillRef>
+              <a:effectRef idx="0">
+                <a:schemeClr val="accent1"/>
+              </a:effectRef>
+              <a:fontRef idx="minor">
+                <a:schemeClr val="tx1"/>
+              </a:fontRef>
+            </p:style>
+          </p:cxnSp>
+          <p:cxnSp>
+            <p:nvCxnSpPr>
+              <p:cNvPr id="12" name="Elbow Connector 11">
+                <a:extLst>
+                  <a:ext uri="{FF2B5EF4-FFF2-40B4-BE49-F238E27FC236}">
+                    <a16:creationId xmlns:a16="http://schemas.microsoft.com/office/drawing/2014/main" id="{CEB4127B-D79B-BA4A-9F89-354DD416B999}"/>
+                  </a:ext>
+                </a:extLst>
+              </p:cNvPr>
+              <p:cNvCxnSpPr>
+                <a:stCxn id="9" idx="3"/>
+                <a:endCxn id="7" idx="0"/>
+              </p:cNvCxnSpPr>
+              <p:nvPr/>
+            </p:nvCxnSpPr>
+            <p:spPr>
+              <a:xfrm>
+                <a:off x="6790142" y="1203070"/>
+                <a:ext cx="3420656" cy="1868846"/>
+              </a:xfrm>
+              <a:prstGeom prst="bentConnector2">
+                <a:avLst/>
+              </a:prstGeom>
+              <a:ln>
+                <a:solidFill>
+                  <a:schemeClr val="tx1"/>
+                </a:solidFill>
+                <a:tailEnd type="triangle"/>
+              </a:ln>
+            </p:spPr>
+            <p:style>
+              <a:lnRef idx="1">
+                <a:schemeClr val="accent1"/>
+              </a:lnRef>
+              <a:fillRef idx="0">
+                <a:schemeClr val="accent1"/>
+              </a:fillRef>
+              <a:effectRef idx="0">
+                <a:schemeClr val="accent1"/>
+              </a:effectRef>
+              <a:fontRef idx="minor">
+                <a:schemeClr val="tx1"/>
+              </a:fontRef>
+            </p:style>
+          </p:cxnSp>
+          <p:cxnSp>
+            <p:nvCxnSpPr>
+              <p:cNvPr id="13" name="Straight Arrow Connector 12">
+                <a:extLst>
+                  <a:ext uri="{FF2B5EF4-FFF2-40B4-BE49-F238E27FC236}">
+                    <a16:creationId xmlns:a16="http://schemas.microsoft.com/office/drawing/2014/main" id="{2D9BA57A-F24E-9A4F-BBDC-C42979EF86B7}"/>
+                  </a:ext>
+                </a:extLst>
+              </p:cNvPr>
+              <p:cNvCxnSpPr>
+                <a:cxnSpLocks/>
+                <a:endCxn id="7" idx="1"/>
+              </p:cNvCxnSpPr>
+              <p:nvPr/>
+            </p:nvCxnSpPr>
+            <p:spPr>
+              <a:xfrm flipV="1">
+                <a:off x="6790142" y="3427887"/>
+                <a:ext cx="2730962" cy="1114"/>
+              </a:xfrm>
+              <a:prstGeom prst="straightConnector1">
+                <a:avLst/>
+              </a:prstGeom>
+              <a:ln>
+                <a:solidFill>
+                  <a:schemeClr val="tx1"/>
+                </a:solidFill>
+                <a:prstDash val="dash"/>
+                <a:tailEnd type="triangle"/>
+              </a:ln>
+            </p:spPr>
+            <p:style>
+              <a:lnRef idx="1">
+                <a:schemeClr val="accent1"/>
+              </a:lnRef>
+              <a:fillRef idx="0">
+                <a:schemeClr val="accent1"/>
+              </a:fillRef>
+              <a:effectRef idx="0">
+                <a:schemeClr val="accent1"/>
+              </a:effectRef>
+              <a:fontRef idx="minor">
+                <a:schemeClr val="tx1"/>
+              </a:fontRef>
+            </p:style>
+          </p:cxnSp>
+        </p:grpSp>
+        <p:cxnSp>
+          <p:nvCxnSpPr>
+            <p:cNvPr id="3" name="Straight Arrow Connector 2">
               <a:extLst>
                 <a:ext uri="{FF2B5EF4-FFF2-40B4-BE49-F238E27FC236}">
-                  <a16:creationId xmlns:a16="http://schemas.microsoft.com/office/drawing/2014/main" id="{DDF37676-A619-7342-BDB2-25339B7D805A}"/>
+                  <a16:creationId xmlns:a16="http://schemas.microsoft.com/office/drawing/2014/main" id="{5417077B-727D-1041-BFF1-9120E32D5EAC}"/>
                 </a:ext>
               </a:extLst>
             </p:cNvPr>
-            <p:cNvSpPr/>
-            <p:nvPr/>
-          </p:nvSpPr>
-          <p:spPr>
-            <a:xfrm>
-              <a:off x="9521104" y="3071916"/>
-              <a:ext cx="1379388" cy="711942"/>
-            </a:xfrm>
-            <a:prstGeom prst="rect">
-              <a:avLst/>
-            </a:prstGeom>
-            <a:solidFill>
-              <a:schemeClr val="accent5">
-                <a:lumMod val="60000"/>
-                <a:lumOff val="40000"/>
-              </a:schemeClr>
-            </a:solidFill>
-            <a:ln>
-              <a:solidFill>
-                <a:schemeClr val="bg2">
-                  <a:lumMod val="90000"/>
-                </a:schemeClr>
-              </a:solidFill>
-            </a:ln>
-          </p:spPr>
-          <p:style>
-            <a:lnRef idx="2">
-              <a:schemeClr val="accent1">
-                <a:shade val="50000"/>
-              </a:schemeClr>
-            </a:lnRef>
-            <a:fillRef idx="1">
-              <a:schemeClr val="accent1"/>
-            </a:fillRef>
-            <a:effectRef idx="0">
-              <a:schemeClr val="accent1"/>
-            </a:effectRef>
-            <a:fontRef idx="minor">
-              <a:schemeClr val="lt1"/>
-            </a:fontRef>
-          </p:style>
-          <p:txBody>
-            <a:bodyPr rtlCol="0" anchor="ctr"/>
-            <a:lstStyle/>
-            <a:p>
-              <a:pPr algn="ctr"/>
-              <a:r>
-                <a:rPr lang="en-US" sz="1300" b="1">
-                  <a:solidFill>
-                    <a:schemeClr val="tx1"/>
-                  </a:solidFill>
-                  <a:latin typeface="Arial"/>
-                  <a:cs typeface="Calibri"/>
-                </a:rPr>
-                <a:t>Model</a:t>
-              </a:r>
-            </a:p>
-          </p:txBody>
-        </p:sp>
-        <p:sp>
-          <p:nvSpPr>
-            <p:cNvPr id="8" name="Rectangle 7">
-              <a:extLst>
-                <a:ext uri="{FF2B5EF4-FFF2-40B4-BE49-F238E27FC236}">
-                  <a16:creationId xmlns:a16="http://schemas.microsoft.com/office/drawing/2014/main" id="{3D267BC9-696D-E64F-B073-A74E1216B076}"/>
-                </a:ext>
-              </a:extLst>
-            </p:cNvPr>
-            <p:cNvSpPr/>
-            <p:nvPr/>
-          </p:nvSpPr>
-          <p:spPr>
-            <a:xfrm>
-              <a:off x="5410754" y="3071916"/>
-              <a:ext cx="1379388" cy="711942"/>
-            </a:xfrm>
-            <a:prstGeom prst="rect">
-              <a:avLst/>
-            </a:prstGeom>
-            <a:solidFill>
-              <a:schemeClr val="accent6">
-                <a:lumMod val="60000"/>
-                <a:lumOff val="40000"/>
-              </a:schemeClr>
-            </a:solidFill>
-            <a:ln>
-              <a:noFill/>
-            </a:ln>
-          </p:spPr>
-          <p:style>
-            <a:lnRef idx="2">
-              <a:schemeClr val="accent1">
-                <a:shade val="50000"/>
-              </a:schemeClr>
-            </a:lnRef>
-            <a:fillRef idx="1">
-              <a:schemeClr val="accent1"/>
-            </a:fillRef>
-            <a:effectRef idx="0">
-              <a:schemeClr val="accent1"/>
-            </a:effectRef>
-            <a:fontRef idx="minor">
-              <a:schemeClr val="lt1"/>
-            </a:fontRef>
-          </p:style>
-          <p:txBody>
-            <a:bodyPr rtlCol="0" anchor="ctr"/>
-            <a:lstStyle/>
-            <a:p>
-              <a:pPr algn="ctr"/>
-              <a:r>
-                <a:rPr lang="en-US" sz="1300" b="1">
-                  <a:solidFill>
-                    <a:schemeClr val="tx1"/>
-                  </a:solidFill>
-                  <a:latin typeface="Arial"/>
-                  <a:cs typeface="Calibri"/>
-                </a:rPr>
-                <a:t>Ui</a:t>
-              </a:r>
-            </a:p>
-          </p:txBody>
-        </p:sp>
-        <p:sp>
-          <p:nvSpPr>
-            <p:cNvPr id="9" name="Rectangle 8">
-              <a:extLst>
-                <a:ext uri="{FF2B5EF4-FFF2-40B4-BE49-F238E27FC236}">
-                  <a16:creationId xmlns:a16="http://schemas.microsoft.com/office/drawing/2014/main" id="{02E60039-B4A1-D347-8EA9-7EE4F178666E}"/>
-                </a:ext>
-              </a:extLst>
-            </p:cNvPr>
-            <p:cNvSpPr/>
-            <p:nvPr/>
-          </p:nvSpPr>
-          <p:spPr>
-            <a:xfrm>
-              <a:off x="5410754" y="847099"/>
-              <a:ext cx="1379388" cy="711942"/>
-            </a:xfrm>
-            <a:prstGeom prst="rect">
-              <a:avLst/>
-            </a:prstGeom>
-            <a:solidFill>
-              <a:schemeClr val="tx2">
-                <a:lumMod val="60000"/>
-                <a:lumOff val="40000"/>
-              </a:schemeClr>
-            </a:solidFill>
-            <a:ln>
-              <a:solidFill>
-                <a:schemeClr val="bg2">
-                  <a:lumMod val="90000"/>
-                </a:schemeClr>
-              </a:solidFill>
-            </a:ln>
-          </p:spPr>
-          <p:style>
-            <a:lnRef idx="2">
-              <a:schemeClr val="accent1">
-                <a:shade val="50000"/>
-              </a:schemeClr>
-            </a:lnRef>
-            <a:fillRef idx="1">
-              <a:schemeClr val="accent1"/>
-            </a:fillRef>
-            <a:effectRef idx="0">
-              <a:schemeClr val="accent1"/>
-            </a:effectRef>
-            <a:fontRef idx="minor">
-              <a:schemeClr val="lt1"/>
-            </a:fontRef>
-          </p:style>
-          <p:txBody>
-            <a:bodyPr rtlCol="0" anchor="ctr"/>
-            <a:lstStyle/>
-            <a:p>
-              <a:pPr algn="ctr"/>
-              <a:r>
-                <a:rPr lang="en-US" sz="1300" b="1">
-                  <a:solidFill>
-                    <a:schemeClr val="tx1"/>
-                  </a:solidFill>
-                  <a:latin typeface="Arial"/>
-                  <a:cs typeface="Calibri"/>
-                </a:rPr>
-                <a:t>Logic</a:t>
-              </a:r>
-            </a:p>
-          </p:txBody>
-        </p:sp>
-        <p:cxnSp>
-          <p:nvCxnSpPr>
-            <p:cNvPr id="10" name="Straight Arrow Connector 9">
-              <a:extLst>
-                <a:ext uri="{FF2B5EF4-FFF2-40B4-BE49-F238E27FC236}">
-                  <a16:creationId xmlns:a16="http://schemas.microsoft.com/office/drawing/2014/main" id="{16041A4B-D683-AE46-9378-C52FBCB9553B}"/>
-                </a:ext>
-              </a:extLst>
-            </p:cNvPr>
-            <p:cNvCxnSpPr/>
+            <p:cNvCxnSpPr>
+              <a:endCxn id="9" idx="2"/>
+            </p:cNvCxnSpPr>
             <p:nvPr/>
           </p:nvCxnSpPr>
           <p:spPr>
-            <a:xfrm>
-              <a:off x="2679793" y="3383391"/>
-              <a:ext cx="2727626" cy="24474"/>
+            <a:xfrm flipV="1">
+              <a:off x="6096000" y="2266668"/>
+              <a:ext cx="0" cy="1512875"/>
             </a:xfrm>
             <a:prstGeom prst="straightConnector1">
               <a:avLst/>
@@ -3716,142 +3922,6 @@
               <a:solidFill>
                 <a:schemeClr val="tx1"/>
               </a:solidFill>
-              <a:tailEnd type="triangle"/>
-            </a:ln>
-          </p:spPr>
-          <p:style>
-            <a:lnRef idx="1">
-              <a:schemeClr val="accent1"/>
-            </a:lnRef>
-            <a:fillRef idx="0">
-              <a:schemeClr val="accent1"/>
-            </a:fillRef>
-            <a:effectRef idx="0">
-              <a:schemeClr val="accent1"/>
-            </a:effectRef>
-            <a:fontRef idx="minor">
-              <a:schemeClr val="tx1"/>
-            </a:fontRef>
-          </p:style>
-        </p:cxnSp>
-        <p:cxnSp>
-          <p:nvCxnSpPr>
-            <p:cNvPr id="11" name="Elbow Connector 10">
-              <a:extLst>
-                <a:ext uri="{FF2B5EF4-FFF2-40B4-BE49-F238E27FC236}">
-                  <a16:creationId xmlns:a16="http://schemas.microsoft.com/office/drawing/2014/main" id="{DB35008E-7A35-2548-9C0D-A349064DBA2F}"/>
-                </a:ext>
-              </a:extLst>
-            </p:cNvPr>
-            <p:cNvCxnSpPr>
-              <a:stCxn id="5" idx="0"/>
-              <a:endCxn id="9" idx="1"/>
-            </p:cNvCxnSpPr>
-            <p:nvPr/>
-          </p:nvCxnSpPr>
-          <p:spPr>
-            <a:xfrm rot="5400000" flipH="1" flipV="1">
-              <a:off x="2766003" y="427165"/>
-              <a:ext cx="1868846" cy="3420656"/>
-            </a:xfrm>
-            <a:prstGeom prst="bentConnector2">
-              <a:avLst/>
-            </a:prstGeom>
-            <a:ln>
-              <a:solidFill>
-                <a:schemeClr val="tx1"/>
-              </a:solidFill>
-              <a:tailEnd type="triangle"/>
-            </a:ln>
-          </p:spPr>
-          <p:style>
-            <a:lnRef idx="1">
-              <a:schemeClr val="accent1"/>
-            </a:lnRef>
-            <a:fillRef idx="0">
-              <a:schemeClr val="accent1"/>
-            </a:fillRef>
-            <a:effectRef idx="0">
-              <a:schemeClr val="accent1"/>
-            </a:effectRef>
-            <a:fontRef idx="minor">
-              <a:schemeClr val="tx1"/>
-            </a:fontRef>
-          </p:style>
-        </p:cxnSp>
-        <p:cxnSp>
-          <p:nvCxnSpPr>
-            <p:cNvPr id="12" name="Elbow Connector 11">
-              <a:extLst>
-                <a:ext uri="{FF2B5EF4-FFF2-40B4-BE49-F238E27FC236}">
-                  <a16:creationId xmlns:a16="http://schemas.microsoft.com/office/drawing/2014/main" id="{CEB4127B-D79B-BA4A-9F89-354DD416B999}"/>
-                </a:ext>
-              </a:extLst>
-            </p:cNvPr>
-            <p:cNvCxnSpPr>
-              <a:stCxn id="9" idx="3"/>
-              <a:endCxn id="7" idx="0"/>
-            </p:cNvCxnSpPr>
-            <p:nvPr/>
-          </p:nvCxnSpPr>
-          <p:spPr>
-            <a:xfrm>
-              <a:off x="6790142" y="1203070"/>
-              <a:ext cx="3420656" cy="1868846"/>
-            </a:xfrm>
-            <a:prstGeom prst="bentConnector2">
-              <a:avLst/>
-            </a:prstGeom>
-            <a:ln>
-              <a:solidFill>
-                <a:schemeClr val="tx1"/>
-              </a:solidFill>
-              <a:tailEnd type="triangle"/>
-            </a:ln>
-          </p:spPr>
-          <p:style>
-            <a:lnRef idx="1">
-              <a:schemeClr val="accent1"/>
-            </a:lnRef>
-            <a:fillRef idx="0">
-              <a:schemeClr val="accent1"/>
-            </a:fillRef>
-            <a:effectRef idx="0">
-              <a:schemeClr val="accent1"/>
-            </a:effectRef>
-            <a:fontRef idx="minor">
-              <a:schemeClr val="tx1"/>
-            </a:fontRef>
-          </p:style>
-        </p:cxnSp>
-        <p:cxnSp>
-          <p:nvCxnSpPr>
-            <p:cNvPr id="13" name="Straight Arrow Connector 12">
-              <a:extLst>
-                <a:ext uri="{FF2B5EF4-FFF2-40B4-BE49-F238E27FC236}">
-                  <a16:creationId xmlns:a16="http://schemas.microsoft.com/office/drawing/2014/main" id="{2D9BA57A-F24E-9A4F-BBDC-C42979EF86B7}"/>
-                </a:ext>
-              </a:extLst>
-            </p:cNvPr>
-            <p:cNvCxnSpPr>
-              <a:cxnSpLocks/>
-              <a:endCxn id="7" idx="1"/>
-            </p:cNvCxnSpPr>
-            <p:nvPr/>
-          </p:nvCxnSpPr>
-          <p:spPr>
-            <a:xfrm flipV="1">
-              <a:off x="6790142" y="3427887"/>
-              <a:ext cx="2730962" cy="1114"/>
-            </a:xfrm>
-            <a:prstGeom prst="straightConnector1">
-              <a:avLst/>
-            </a:prstGeom>
-            <a:ln>
-              <a:solidFill>
-                <a:schemeClr val="tx1"/>
-              </a:solidFill>
-              <a:prstDash val="dash"/>
               <a:tailEnd type="triangle"/>
             </a:ln>
           </p:spPr>
